--- a/poster.pptx
+++ b/poster.pptx
@@ -1635,7 +1635,7 @@
             </a:endParaRPr>
           </a:p>
           <a:p>
-            <a:pPr algn="l" defTabSz="4389438" eaLnBrk="0" hangingPunct="0">
+            <a:pPr algn="just" defTabSz="4389438" eaLnBrk="0" hangingPunct="0">
               <a:lnSpc>
                 <a:spcPct val="95000"/>
               </a:lnSpc>
@@ -2151,7 +2151,7 @@
             </a:r>
           </a:p>
           <a:p>
-            <a:pPr algn="l" defTabSz="612775" eaLnBrk="0" hangingPunct="0">
+            <a:pPr algn="just" defTabSz="612775" eaLnBrk="0" hangingPunct="0">
               <a:lnSpc>
                 <a:spcPct val="95000"/>
               </a:lnSpc>
@@ -2347,6 +2347,55 @@
             </a:r>
           </a:p>
           <a:p>
+            <a:pPr algn="just" defTabSz="612775" eaLnBrk="0" hangingPunct="0">
+              <a:lnSpc>
+                <a:spcPct val="95000"/>
+              </a:lnSpc>
+            </a:pPr>
+            <a:r>
+              <a:rPr lang="sr-Latn-RS" sz="5000" dirty="0" smtClean="0">
+                <a:latin typeface="Times New Roman" pitchFamily="18" charset="0"/>
+              </a:rPr>
+              <a:t>Upotrebom prethodno opisanih metoda dobijen je </a:t>
+            </a:r>
+            <a:r>
+              <a:rPr lang="sr-Latn-RS" sz="5000" b="1" dirty="0" smtClean="0">
+                <a:latin typeface="Times New Roman" pitchFamily="18" charset="0"/>
+              </a:rPr>
+              <a:t>MAE</a:t>
+            </a:r>
+            <a:r>
+              <a:rPr lang="sr-Latn-RS" sz="5000" dirty="0" smtClean="0">
+                <a:latin typeface="Times New Roman" pitchFamily="18" charset="0"/>
+              </a:rPr>
+              <a:t> od </a:t>
+            </a:r>
+            <a:r>
+              <a:rPr lang="sr-Latn-RS" sz="5000" b="1" dirty="0" smtClean="0">
+                <a:latin typeface="Times New Roman" pitchFamily="18" charset="0"/>
+              </a:rPr>
+              <a:t>3.9</a:t>
+            </a:r>
+            <a:r>
+              <a:rPr lang="sr-Latn-RS" sz="5000" dirty="0" smtClean="0">
+                <a:latin typeface="Times New Roman" pitchFamily="18" charset="0"/>
+              </a:rPr>
+              <a:t> i u potpunosti sam siguran da upotebom nekih drugih algoritama za detekciju objekata </a:t>
+            </a:r>
+            <a:r>
+              <a:rPr lang="sr-Latn-RS" sz="5000" b="1" dirty="0" smtClean="0">
+                <a:latin typeface="Times New Roman" pitchFamily="18" charset="0"/>
+              </a:rPr>
+              <a:t>MAE</a:t>
+            </a:r>
+            <a:r>
+              <a:rPr lang="sr-Latn-RS" sz="5000" dirty="0" smtClean="0">
+                <a:latin typeface="Times New Roman" pitchFamily="18" charset="0"/>
+              </a:rPr>
+              <a:t> može da bude daleko manji.</a:t>
+            </a:r>
+          </a:p>
+          <a:p>
             <a:pPr algn="l" defTabSz="612775" eaLnBrk="0" hangingPunct="0">
               <a:lnSpc>
                 <a:spcPct val="95000"/>
@@ -2356,68 +2405,7 @@
               <a:rPr lang="sr-Latn-RS" sz="5000" dirty="0" smtClean="0">
                 <a:latin typeface="Times New Roman" pitchFamily="18" charset="0"/>
               </a:rPr>
-              <a:t>Upotrebom prethodno opisanih metoda dobijen je </a:t>
-            </a:r>
-            <a:r>
-              <a:rPr lang="sr-Latn-RS" sz="5000" b="1" dirty="0" smtClean="0">
-                <a:latin typeface="Times New Roman" pitchFamily="18" charset="0"/>
-              </a:rPr>
-              <a:t>MAE</a:t>
-            </a:r>
-            <a:r>
-              <a:rPr lang="sr-Latn-RS" sz="5000" dirty="0" smtClean="0">
-                <a:latin typeface="Times New Roman" pitchFamily="18" charset="0"/>
-              </a:rPr>
-              <a:t> od </a:t>
-            </a:r>
-            <a:r>
-              <a:rPr lang="sr-Latn-RS" sz="5000" b="1" dirty="0" smtClean="0">
-                <a:latin typeface="Times New Roman" pitchFamily="18" charset="0"/>
-              </a:rPr>
-              <a:t>3.9</a:t>
-            </a:r>
-            <a:r>
-              <a:rPr lang="sr-Latn-RS" sz="5000" dirty="0" smtClean="0">
-                <a:latin typeface="Times New Roman" pitchFamily="18" charset="0"/>
-              </a:rPr>
-              <a:t> i u potpunosti sam siguran da upotebom nekih drugih algoritama za detekciju objekata </a:t>
-            </a:r>
-            <a:r>
-              <a:rPr lang="sr-Latn-RS" sz="5000" b="1" dirty="0" smtClean="0">
-                <a:latin typeface="Times New Roman" pitchFamily="18" charset="0"/>
-              </a:rPr>
-              <a:t>MAE</a:t>
-            </a:r>
-            <a:r>
-              <a:rPr lang="sr-Latn-RS" sz="5000" dirty="0" smtClean="0">
-                <a:latin typeface="Times New Roman" pitchFamily="18" charset="0"/>
-              </a:rPr>
-              <a:t> može da bude daleko manji.</a:t>
-            </a:r>
-          </a:p>
-          <a:p>
-            <a:pPr algn="l" defTabSz="612775" eaLnBrk="0" hangingPunct="0">
-              <a:lnSpc>
-                <a:spcPct val="95000"/>
-              </a:lnSpc>
-            </a:pPr>
-            <a:r>
-              <a:rPr lang="sr-Latn-RS" sz="5000" dirty="0" smtClean="0">
-                <a:latin typeface="Times New Roman" pitchFamily="18" charset="0"/>
-              </a:rPr>
-              <a:t>Drugi problem </a:t>
-            </a:r>
-            <a:r>
-              <a:rPr lang="sr-Latn-RS" sz="5000" smtClean="0">
-                <a:latin typeface="Times New Roman" pitchFamily="18" charset="0"/>
-              </a:rPr>
-              <a:t>koji se javio </a:t>
-            </a:r>
-            <a:r>
-              <a:rPr lang="sr-Latn-RS" sz="5000" dirty="0" smtClean="0">
-                <a:latin typeface="Times New Roman" pitchFamily="18" charset="0"/>
-              </a:rPr>
-              <a:t>na projektu jeste činjenica da sam želeo da sistem bude sposoban i da prepozna slučajeve koji nisu bili u testnom skupu (npr. čovek koji ide horizontalno po snegu a ne normalnom putanjom). Problem je prevazidjen jedinstvenom identifikacijom ljudi ali uz mane da ponekad dola</a:t>
+              <a:t>Drugi problem koji se javio na projektu jeste činjenica da sam želeo da sistem bude sposoban i da prepozna slučajeve koji nisu bili u testnom skupu (npr. čovek koji ide horizontalno po snegu a ne normalnom putanjom). Problem je prevazidjen jedinstvenom identifikacijom ljudi ali uz mane da ponekad dola</a:t>
             </a:r>
             <a:r>
               <a:rPr lang="en-GB" sz="5000" dirty="0" smtClean="0">
@@ -2677,7 +2665,7 @@
             </a:r>
           </a:p>
           <a:p>
-            <a:pPr algn="l" defTabSz="4389438">
+            <a:pPr algn="just" defTabSz="4389438">
               <a:lnSpc>
                 <a:spcPct val="90000"/>
               </a:lnSpc>

--- a/poster.pptx
+++ b/poster.pptx
@@ -2740,7 +2740,7 @@
                 <a:latin typeface="Times New Roman" pitchFamily="18" charset="0"/>
                 <a:cs typeface="Times New Roman" pitchFamily="18" charset="0"/>
               </a:rPr>
-              <a:t>Aproksimacija putem pravougaonika je zapravo i ključ  ove detekcije jer se uspomoć nje vrlo lako detektuje prolazak objekta (ljudi) preko platoa tj. da li objekat pripada platou ili ne.</a:t>
+              <a:t>Aproksimacija putem pravougaonika je zapravo i ključ  ove detekcije jer se uz pomoć nje vrlo lako detektuje prolazak objekta (ljudi) preko platoa tj. da li objekat pripada platou ili ne.</a:t>
             </a:r>
             <a:endParaRPr lang="sr-Latn-RS" sz="5000" dirty="0">
               <a:latin typeface="Times New Roman" pitchFamily="18" charset="0"/>
@@ -2775,6 +2775,13 @@
   <p:clrMapOvr>
     <a:masterClrMapping/>
   </p:clrMapOvr>
+  <p:timing>
+    <p:tnLst>
+      <p:par>
+        <p:cTn id="1" dur="indefinite" restart="never" nodeType="tmRoot"/>
+      </p:par>
+    </p:tnLst>
+  </p:timing>
 </p:sld>
 </file>
 
